--- a/polysurf_steps.pptx
+++ b/polysurf_steps.pptx
@@ -5,7 +5,7 @@
     <p:sldMasterId id="2147483648" r:id="rId1"/>
   </p:sldMasterIdLst>
   <p:notesMasterIdLst>
-    <p:notesMasterId r:id="rId7"/>
+    <p:notesMasterId r:id="rId8"/>
   </p:notesMasterIdLst>
   <p:sldIdLst>
     <p:sldId id="256" r:id="rId2"/>
@@ -13,6 +13,7 @@
     <p:sldId id="258" r:id="rId4"/>
     <p:sldId id="259" r:id="rId5"/>
     <p:sldId id="260" r:id="rId6"/>
+    <p:sldId id="261" r:id="rId7"/>
   </p:sldIdLst>
   <p:sldSz cx="12192000" cy="6858000"/>
   <p:notesSz cx="6858000" cy="9144000"/>
@@ -113,7 +114,7 @@
   </p:defaultTextStyle>
   <p:extLst>
     <p:ext uri="{EFAFB233-063F-42B5-8137-9DF3F51BA10A}">
-      <p15:sldGuideLst xmlns:p15="http://schemas.microsoft.com/office/powerpoint/2012/main">
+      <p15:sldGuideLst xmlns="" xmlns:p15="http://schemas.microsoft.com/office/powerpoint/2012/main">
         <p15:guide id="1" orient="horz" pos="2160" userDrawn="1">
           <p15:clr>
             <a:srgbClr val="A4A3A4"/>
@@ -212,7 +213,8 @@
           <a:p>
             <a:fld id="{53A0CA7B-051C-4930-9230-6907DAE1C2B4}" type="datetimeFigureOut">
               <a:rPr lang="sv-SE" smtClean="0"/>
-              <a:t>2016-10-19</a:t>
+              <a:pPr/>
+              <a:t>2016-10-21</a:t>
             </a:fld>
             <a:endParaRPr lang="sv-SE"/>
           </a:p>
@@ -307,7 +309,6 @@
               <a:rPr lang="sv-SE"/>
               <a:t>Nivå fem</a:t>
             </a:r>
-            <a:endParaRPr lang="sv-SE"/>
           </a:p>
         </p:txBody>
       </p:sp>
@@ -371,6 +372,7 @@
           <a:p>
             <a:fld id="{55ACEDF2-08E5-4D8B-A6A9-DAB06BD2FBD7}" type="slidenum">
               <a:rPr lang="sv-SE" smtClean="0"/>
+              <a:pPr/>
               <a:t>‹#›</a:t>
             </a:fld>
             <a:endParaRPr lang="sv-SE"/>
@@ -380,7 +382,7 @@
     </p:spTree>
     <p:extLst>
       <p:ext uri="{BB962C8B-B14F-4D97-AF65-F5344CB8AC3E}">
-        <p14:creationId xmlns:p14="http://schemas.microsoft.com/office/powerpoint/2010/main" val="2258581259"/>
+        <p14:creationId xmlns="" xmlns:p14="http://schemas.microsoft.com/office/powerpoint/2010/main" val="2258581259"/>
       </p:ext>
     </p:extLst>
   </p:cSld>
@@ -525,7 +527,6 @@
               <a:rPr lang="sv-SE"/>
               <a:t>Klicka här för att ändra format</a:t>
             </a:r>
-            <a:endParaRPr lang="sv-SE"/>
           </a:p>
         </p:txBody>
       </p:sp>
@@ -590,7 +591,6 @@
               <a:rPr lang="sv-SE"/>
               <a:t>Klicka om du vill redigera mall för underrubrikformat</a:t>
             </a:r>
-            <a:endParaRPr lang="sv-SE"/>
           </a:p>
         </p:txBody>
       </p:sp>
@@ -611,7 +611,8 @@
           <a:p>
             <a:fld id="{7F06C6D2-99CD-49A1-AA22-326DC8D8137D}" type="datetime1">
               <a:rPr lang="sv-SE" smtClean="0"/>
-              <a:t>2016-10-19</a:t>
+              <a:pPr/>
+              <a:t>2016-10-21</a:t>
             </a:fld>
             <a:endParaRPr lang="sv-SE"/>
           </a:p>
@@ -636,7 +637,6 @@
               <a:rPr lang="sv-SE"/>
               <a:t>polysurf demo (public)</a:t>
             </a:r>
-            <a:endParaRPr lang="sv-SE"/>
           </a:p>
         </p:txBody>
       </p:sp>
@@ -657,6 +657,7 @@
           <a:p>
             <a:fld id="{BBBF76D2-886E-443A-9E59-04B2F73D4B76}" type="slidenum">
               <a:rPr lang="sv-SE" smtClean="0"/>
+              <a:pPr/>
               <a:t>‹#›</a:t>
             </a:fld>
             <a:endParaRPr lang="sv-SE"/>
@@ -666,7 +667,7 @@
     </p:spTree>
     <p:extLst>
       <p:ext uri="{BB962C8B-B14F-4D97-AF65-F5344CB8AC3E}">
-        <p14:creationId xmlns:p14="http://schemas.microsoft.com/office/powerpoint/2010/main" val="1266397091"/>
+        <p14:creationId xmlns="" xmlns:p14="http://schemas.microsoft.com/office/powerpoint/2010/main" val="1266397091"/>
       </p:ext>
     </p:extLst>
   </p:cSld>
@@ -712,7 +713,6 @@
               <a:rPr lang="sv-SE"/>
               <a:t>Klicka här för att ändra format</a:t>
             </a:r>
-            <a:endParaRPr lang="sv-SE"/>
           </a:p>
         </p:txBody>
       </p:sp>
@@ -764,7 +764,6 @@
               <a:rPr lang="sv-SE"/>
               <a:t>Nivå fem</a:t>
             </a:r>
-            <a:endParaRPr lang="sv-SE"/>
           </a:p>
         </p:txBody>
       </p:sp>
@@ -785,7 +784,8 @@
           <a:p>
             <a:fld id="{832E1D38-1975-4CF3-B57D-DF7D2610A3F7}" type="datetime1">
               <a:rPr lang="sv-SE" smtClean="0"/>
-              <a:t>2016-10-19</a:t>
+              <a:pPr/>
+              <a:t>2016-10-21</a:t>
             </a:fld>
             <a:endParaRPr lang="sv-SE"/>
           </a:p>
@@ -810,7 +810,6 @@
               <a:rPr lang="sv-SE"/>
               <a:t>polysurf demo (public)</a:t>
             </a:r>
-            <a:endParaRPr lang="sv-SE"/>
           </a:p>
         </p:txBody>
       </p:sp>
@@ -831,6 +830,7 @@
           <a:p>
             <a:fld id="{BBBF76D2-886E-443A-9E59-04B2F73D4B76}" type="slidenum">
               <a:rPr lang="sv-SE" smtClean="0"/>
+              <a:pPr/>
               <a:t>‹#›</a:t>
             </a:fld>
             <a:endParaRPr lang="sv-SE"/>
@@ -840,7 +840,7 @@
     </p:spTree>
     <p:extLst>
       <p:ext uri="{BB962C8B-B14F-4D97-AF65-F5344CB8AC3E}">
-        <p14:creationId xmlns:p14="http://schemas.microsoft.com/office/powerpoint/2010/main" val="1899867491"/>
+        <p14:creationId xmlns="" xmlns:p14="http://schemas.microsoft.com/office/powerpoint/2010/main" val="1899867491"/>
       </p:ext>
     </p:extLst>
   </p:cSld>
@@ -891,7 +891,6 @@
               <a:rPr lang="sv-SE"/>
               <a:t>Klicka här för att ändra format</a:t>
             </a:r>
-            <a:endParaRPr lang="sv-SE"/>
           </a:p>
         </p:txBody>
       </p:sp>
@@ -948,7 +947,6 @@
               <a:rPr lang="sv-SE"/>
               <a:t>Nivå fem</a:t>
             </a:r>
-            <a:endParaRPr lang="sv-SE"/>
           </a:p>
         </p:txBody>
       </p:sp>
@@ -969,7 +967,8 @@
           <a:p>
             <a:fld id="{66286794-8C8E-49E8-AB6D-FDAA722C30B1}" type="datetime1">
               <a:rPr lang="sv-SE" smtClean="0"/>
-              <a:t>2016-10-19</a:t>
+              <a:pPr/>
+              <a:t>2016-10-21</a:t>
             </a:fld>
             <a:endParaRPr lang="sv-SE"/>
           </a:p>
@@ -994,7 +993,6 @@
               <a:rPr lang="sv-SE"/>
               <a:t>polysurf demo (public)</a:t>
             </a:r>
-            <a:endParaRPr lang="sv-SE"/>
           </a:p>
         </p:txBody>
       </p:sp>
@@ -1015,6 +1013,7 @@
           <a:p>
             <a:fld id="{BBBF76D2-886E-443A-9E59-04B2F73D4B76}" type="slidenum">
               <a:rPr lang="sv-SE" smtClean="0"/>
+              <a:pPr/>
               <a:t>‹#›</a:t>
             </a:fld>
             <a:endParaRPr lang="sv-SE"/>
@@ -1024,7 +1023,7 @@
     </p:spTree>
     <p:extLst>
       <p:ext uri="{BB962C8B-B14F-4D97-AF65-F5344CB8AC3E}">
-        <p14:creationId xmlns:p14="http://schemas.microsoft.com/office/powerpoint/2010/main" val="1161062177"/>
+        <p14:creationId xmlns="" xmlns:p14="http://schemas.microsoft.com/office/powerpoint/2010/main" val="1161062177"/>
       </p:ext>
     </p:extLst>
   </p:cSld>
@@ -1070,7 +1069,6 @@
               <a:rPr lang="sv-SE"/>
               <a:t>Klicka här för att ändra format</a:t>
             </a:r>
-            <a:endParaRPr lang="sv-SE"/>
           </a:p>
         </p:txBody>
       </p:sp>
@@ -1122,7 +1120,6 @@
               <a:rPr lang="sv-SE"/>
               <a:t>Nivå fem</a:t>
             </a:r>
-            <a:endParaRPr lang="sv-SE"/>
           </a:p>
         </p:txBody>
       </p:sp>
@@ -1143,7 +1140,8 @@
           <a:p>
             <a:fld id="{9ECC6B41-B211-4436-9D62-E5AC6A999AF9}" type="datetime1">
               <a:rPr lang="sv-SE" smtClean="0"/>
-              <a:t>2016-10-19</a:t>
+              <a:pPr/>
+              <a:t>2016-10-21</a:t>
             </a:fld>
             <a:endParaRPr lang="sv-SE"/>
           </a:p>
@@ -1168,7 +1166,6 @@
               <a:rPr lang="sv-SE"/>
               <a:t>polysurf demo (public)</a:t>
             </a:r>
-            <a:endParaRPr lang="sv-SE"/>
           </a:p>
         </p:txBody>
       </p:sp>
@@ -1189,6 +1186,7 @@
           <a:p>
             <a:fld id="{BBBF76D2-886E-443A-9E59-04B2F73D4B76}" type="slidenum">
               <a:rPr lang="sv-SE" smtClean="0"/>
+              <a:pPr/>
               <a:t>‹#›</a:t>
             </a:fld>
             <a:endParaRPr lang="sv-SE"/>
@@ -1198,7 +1196,7 @@
     </p:spTree>
     <p:extLst>
       <p:ext uri="{BB962C8B-B14F-4D97-AF65-F5344CB8AC3E}">
-        <p14:creationId xmlns:p14="http://schemas.microsoft.com/office/powerpoint/2010/main" val="48684313"/>
+        <p14:creationId xmlns="" xmlns:p14="http://schemas.microsoft.com/office/powerpoint/2010/main" val="48684313"/>
       </p:ext>
     </p:extLst>
   </p:cSld>
@@ -1253,7 +1251,6 @@
               <a:rPr lang="sv-SE"/>
               <a:t>Klicka här för att ändra format</a:t>
             </a:r>
-            <a:endParaRPr lang="sv-SE"/>
           </a:p>
         </p:txBody>
       </p:sp>
@@ -1393,7 +1390,8 @@
           <a:p>
             <a:fld id="{AF94C9DE-C986-4759-8084-4922B781D86D}" type="datetime1">
               <a:rPr lang="sv-SE" smtClean="0"/>
-              <a:t>2016-10-19</a:t>
+              <a:pPr/>
+              <a:t>2016-10-21</a:t>
             </a:fld>
             <a:endParaRPr lang="sv-SE"/>
           </a:p>
@@ -1418,7 +1416,6 @@
               <a:rPr lang="sv-SE"/>
               <a:t>polysurf demo (public)</a:t>
             </a:r>
-            <a:endParaRPr lang="sv-SE"/>
           </a:p>
         </p:txBody>
       </p:sp>
@@ -1439,6 +1436,7 @@
           <a:p>
             <a:fld id="{BBBF76D2-886E-443A-9E59-04B2F73D4B76}" type="slidenum">
               <a:rPr lang="sv-SE" smtClean="0"/>
+              <a:pPr/>
               <a:t>‹#›</a:t>
             </a:fld>
             <a:endParaRPr lang="sv-SE"/>
@@ -1448,7 +1446,7 @@
     </p:spTree>
     <p:extLst>
       <p:ext uri="{BB962C8B-B14F-4D97-AF65-F5344CB8AC3E}">
-        <p14:creationId xmlns:p14="http://schemas.microsoft.com/office/powerpoint/2010/main" val="905630785"/>
+        <p14:creationId xmlns="" xmlns:p14="http://schemas.microsoft.com/office/powerpoint/2010/main" val="905630785"/>
       </p:ext>
     </p:extLst>
   </p:cSld>
@@ -1494,7 +1492,6 @@
               <a:rPr lang="sv-SE"/>
               <a:t>Klicka här för att ändra format</a:t>
             </a:r>
-            <a:endParaRPr lang="sv-SE"/>
           </a:p>
         </p:txBody>
       </p:sp>
@@ -1551,7 +1548,6 @@
               <a:rPr lang="sv-SE"/>
               <a:t>Nivå fem</a:t>
             </a:r>
-            <a:endParaRPr lang="sv-SE"/>
           </a:p>
         </p:txBody>
       </p:sp>
@@ -1608,7 +1604,6 @@
               <a:rPr lang="sv-SE"/>
               <a:t>Nivå fem</a:t>
             </a:r>
-            <a:endParaRPr lang="sv-SE"/>
           </a:p>
         </p:txBody>
       </p:sp>
@@ -1629,7 +1624,8 @@
           <a:p>
             <a:fld id="{AF4A1F76-4A36-4ADA-A5EC-92AA4B612BD5}" type="datetime1">
               <a:rPr lang="sv-SE" smtClean="0"/>
-              <a:t>2016-10-19</a:t>
+              <a:pPr/>
+              <a:t>2016-10-21</a:t>
             </a:fld>
             <a:endParaRPr lang="sv-SE"/>
           </a:p>
@@ -1654,7 +1650,6 @@
               <a:rPr lang="sv-SE"/>
               <a:t>polysurf demo (public)</a:t>
             </a:r>
-            <a:endParaRPr lang="sv-SE"/>
           </a:p>
         </p:txBody>
       </p:sp>
@@ -1675,6 +1670,7 @@
           <a:p>
             <a:fld id="{BBBF76D2-886E-443A-9E59-04B2F73D4B76}" type="slidenum">
               <a:rPr lang="sv-SE" smtClean="0"/>
+              <a:pPr/>
               <a:t>‹#›</a:t>
             </a:fld>
             <a:endParaRPr lang="sv-SE"/>
@@ -1684,7 +1680,7 @@
     </p:spTree>
     <p:extLst>
       <p:ext uri="{BB962C8B-B14F-4D97-AF65-F5344CB8AC3E}">
-        <p14:creationId xmlns:p14="http://schemas.microsoft.com/office/powerpoint/2010/main" val="396142618"/>
+        <p14:creationId xmlns="" xmlns:p14="http://schemas.microsoft.com/office/powerpoint/2010/main" val="396142618"/>
       </p:ext>
     </p:extLst>
   </p:cSld>
@@ -1735,7 +1731,6 @@
               <a:rPr lang="sv-SE"/>
               <a:t>Klicka här för att ändra format</a:t>
             </a:r>
-            <a:endParaRPr lang="sv-SE"/>
           </a:p>
         </p:txBody>
       </p:sp>
@@ -1857,7 +1852,6 @@
               <a:rPr lang="sv-SE"/>
               <a:t>Nivå fem</a:t>
             </a:r>
-            <a:endParaRPr lang="sv-SE"/>
           </a:p>
         </p:txBody>
       </p:sp>
@@ -1979,7 +1973,6 @@
               <a:rPr lang="sv-SE"/>
               <a:t>Nivå fem</a:t>
             </a:r>
-            <a:endParaRPr lang="sv-SE"/>
           </a:p>
         </p:txBody>
       </p:sp>
@@ -2000,7 +1993,8 @@
           <a:p>
             <a:fld id="{70ED1CB4-5335-47F3-B8B9-BB587D42372E}" type="datetime1">
               <a:rPr lang="sv-SE" smtClean="0"/>
-              <a:t>2016-10-19</a:t>
+              <a:pPr/>
+              <a:t>2016-10-21</a:t>
             </a:fld>
             <a:endParaRPr lang="sv-SE"/>
           </a:p>
@@ -2025,7 +2019,6 @@
               <a:rPr lang="sv-SE"/>
               <a:t>polysurf demo (public)</a:t>
             </a:r>
-            <a:endParaRPr lang="sv-SE"/>
           </a:p>
         </p:txBody>
       </p:sp>
@@ -2046,6 +2039,7 @@
           <a:p>
             <a:fld id="{BBBF76D2-886E-443A-9E59-04B2F73D4B76}" type="slidenum">
               <a:rPr lang="sv-SE" smtClean="0"/>
+              <a:pPr/>
               <a:t>‹#›</a:t>
             </a:fld>
             <a:endParaRPr lang="sv-SE"/>
@@ -2055,7 +2049,7 @@
     </p:spTree>
     <p:extLst>
       <p:ext uri="{BB962C8B-B14F-4D97-AF65-F5344CB8AC3E}">
-        <p14:creationId xmlns:p14="http://schemas.microsoft.com/office/powerpoint/2010/main" val="2351111464"/>
+        <p14:creationId xmlns="" xmlns:p14="http://schemas.microsoft.com/office/powerpoint/2010/main" val="2351111464"/>
       </p:ext>
     </p:extLst>
   </p:cSld>
@@ -2101,7 +2095,6 @@
               <a:rPr lang="sv-SE"/>
               <a:t>Klicka här för att ändra format</a:t>
             </a:r>
-            <a:endParaRPr lang="sv-SE"/>
           </a:p>
         </p:txBody>
       </p:sp>
@@ -2122,7 +2115,8 @@
           <a:p>
             <a:fld id="{FDF29E55-A1AB-47CE-8129-FB30312A58CA}" type="datetime1">
               <a:rPr lang="sv-SE" smtClean="0"/>
-              <a:t>2016-10-19</a:t>
+              <a:pPr/>
+              <a:t>2016-10-21</a:t>
             </a:fld>
             <a:endParaRPr lang="sv-SE"/>
           </a:p>
@@ -2147,7 +2141,6 @@
               <a:rPr lang="sv-SE"/>
               <a:t>polysurf demo (public)</a:t>
             </a:r>
-            <a:endParaRPr lang="sv-SE"/>
           </a:p>
         </p:txBody>
       </p:sp>
@@ -2168,6 +2161,7 @@
           <a:p>
             <a:fld id="{BBBF76D2-886E-443A-9E59-04B2F73D4B76}" type="slidenum">
               <a:rPr lang="sv-SE" smtClean="0"/>
+              <a:pPr/>
               <a:t>‹#›</a:t>
             </a:fld>
             <a:endParaRPr lang="sv-SE"/>
@@ -2177,7 +2171,7 @@
     </p:spTree>
     <p:extLst>
       <p:ext uri="{BB962C8B-B14F-4D97-AF65-F5344CB8AC3E}">
-        <p14:creationId xmlns:p14="http://schemas.microsoft.com/office/powerpoint/2010/main" val="4004479925"/>
+        <p14:creationId xmlns="" xmlns:p14="http://schemas.microsoft.com/office/powerpoint/2010/main" val="4004479925"/>
       </p:ext>
     </p:extLst>
   </p:cSld>
@@ -2221,7 +2215,8 @@
           <a:p>
             <a:fld id="{A27B3759-F1EF-40C1-B6E4-A250D892E50D}" type="datetime1">
               <a:rPr lang="sv-SE" smtClean="0"/>
-              <a:t>2016-10-19</a:t>
+              <a:pPr/>
+              <a:t>2016-10-21</a:t>
             </a:fld>
             <a:endParaRPr lang="sv-SE"/>
           </a:p>
@@ -2246,7 +2241,6 @@
               <a:rPr lang="sv-SE"/>
               <a:t>polysurf demo (public)</a:t>
             </a:r>
-            <a:endParaRPr lang="sv-SE"/>
           </a:p>
         </p:txBody>
       </p:sp>
@@ -2267,6 +2261,7 @@
           <a:p>
             <a:fld id="{BBBF76D2-886E-443A-9E59-04B2F73D4B76}" type="slidenum">
               <a:rPr lang="sv-SE" smtClean="0"/>
+              <a:pPr/>
               <a:t>‹#›</a:t>
             </a:fld>
             <a:endParaRPr lang="sv-SE"/>
@@ -2276,7 +2271,7 @@
     </p:spTree>
     <p:extLst>
       <p:ext uri="{BB962C8B-B14F-4D97-AF65-F5344CB8AC3E}">
-        <p14:creationId xmlns:p14="http://schemas.microsoft.com/office/powerpoint/2010/main" val="3218249889"/>
+        <p14:creationId xmlns="" xmlns:p14="http://schemas.microsoft.com/office/powerpoint/2010/main" val="3218249889"/>
       </p:ext>
     </p:extLst>
   </p:cSld>
@@ -2331,7 +2326,6 @@
               <a:rPr lang="sv-SE"/>
               <a:t>Klicka här för att ändra format</a:t>
             </a:r>
-            <a:endParaRPr lang="sv-SE"/>
           </a:p>
         </p:txBody>
       </p:sp>
@@ -2416,7 +2410,6 @@
               <a:rPr lang="sv-SE"/>
               <a:t>Nivå fem</a:t>
             </a:r>
-            <a:endParaRPr lang="sv-SE"/>
           </a:p>
         </p:txBody>
       </p:sp>
@@ -2502,7 +2495,8 @@
           <a:p>
             <a:fld id="{7E3002CF-8ADF-4D83-89BA-51A08E85DEF1}" type="datetime1">
               <a:rPr lang="sv-SE" smtClean="0"/>
-              <a:t>2016-10-19</a:t>
+              <a:pPr/>
+              <a:t>2016-10-21</a:t>
             </a:fld>
             <a:endParaRPr lang="sv-SE"/>
           </a:p>
@@ -2527,7 +2521,6 @@
               <a:rPr lang="sv-SE"/>
               <a:t>polysurf demo (public)</a:t>
             </a:r>
-            <a:endParaRPr lang="sv-SE"/>
           </a:p>
         </p:txBody>
       </p:sp>
@@ -2548,6 +2541,7 @@
           <a:p>
             <a:fld id="{BBBF76D2-886E-443A-9E59-04B2F73D4B76}" type="slidenum">
               <a:rPr lang="sv-SE" smtClean="0"/>
+              <a:pPr/>
               <a:t>‹#›</a:t>
             </a:fld>
             <a:endParaRPr lang="sv-SE"/>
@@ -2557,7 +2551,7 @@
     </p:spTree>
     <p:extLst>
       <p:ext uri="{BB962C8B-B14F-4D97-AF65-F5344CB8AC3E}">
-        <p14:creationId xmlns:p14="http://schemas.microsoft.com/office/powerpoint/2010/main" val="2750755787"/>
+        <p14:creationId xmlns="" xmlns:p14="http://schemas.microsoft.com/office/powerpoint/2010/main" val="2750755787"/>
       </p:ext>
     </p:extLst>
   </p:cSld>
@@ -2612,7 +2606,6 @@
               <a:rPr lang="sv-SE"/>
               <a:t>Klicka här för att ändra format</a:t>
             </a:r>
-            <a:endParaRPr lang="sv-SE"/>
           </a:p>
         </p:txBody>
       </p:sp>
@@ -2759,7 +2752,8 @@
           <a:p>
             <a:fld id="{B6F1D8DE-EFA0-4CFD-9030-92F70CDAB7EB}" type="datetime1">
               <a:rPr lang="sv-SE" smtClean="0"/>
-              <a:t>2016-10-19</a:t>
+              <a:pPr/>
+              <a:t>2016-10-21</a:t>
             </a:fld>
             <a:endParaRPr lang="sv-SE"/>
           </a:p>
@@ -2784,7 +2778,6 @@
               <a:rPr lang="sv-SE"/>
               <a:t>polysurf demo (public)</a:t>
             </a:r>
-            <a:endParaRPr lang="sv-SE"/>
           </a:p>
         </p:txBody>
       </p:sp>
@@ -2805,6 +2798,7 @@
           <a:p>
             <a:fld id="{BBBF76D2-886E-443A-9E59-04B2F73D4B76}" type="slidenum">
               <a:rPr lang="sv-SE" smtClean="0"/>
+              <a:pPr/>
               <a:t>‹#›</a:t>
             </a:fld>
             <a:endParaRPr lang="sv-SE"/>
@@ -2814,7 +2808,7 @@
     </p:spTree>
     <p:extLst>
       <p:ext uri="{BB962C8B-B14F-4D97-AF65-F5344CB8AC3E}">
-        <p14:creationId xmlns:p14="http://schemas.microsoft.com/office/powerpoint/2010/main" val="2659794417"/>
+        <p14:creationId xmlns="" xmlns:p14="http://schemas.microsoft.com/office/powerpoint/2010/main" val="2659794417"/>
       </p:ext>
     </p:extLst>
   </p:cSld>
@@ -2875,7 +2869,6 @@
               <a:rPr lang="sv-SE"/>
               <a:t>Klicka här för att ändra format</a:t>
             </a:r>
-            <a:endParaRPr lang="sv-SE"/>
           </a:p>
         </p:txBody>
       </p:sp>
@@ -2937,7 +2930,6 @@
               <a:rPr lang="sv-SE"/>
               <a:t>Nivå fem</a:t>
             </a:r>
-            <a:endParaRPr lang="sv-SE"/>
           </a:p>
         </p:txBody>
       </p:sp>
@@ -2976,7 +2968,8 @@
           <a:p>
             <a:fld id="{4F687D22-E69F-451F-AF3E-30C5F43E96CA}" type="datetime1">
               <a:rPr lang="sv-SE" smtClean="0"/>
-              <a:t>2016-10-19</a:t>
+              <a:pPr/>
+              <a:t>2016-10-21</a:t>
             </a:fld>
             <a:endParaRPr lang="sv-SE"/>
           </a:p>
@@ -3019,7 +3012,6 @@
               <a:rPr lang="sv-SE"/>
               <a:t>polysurf demo (public)</a:t>
             </a:r>
-            <a:endParaRPr lang="sv-SE"/>
           </a:p>
         </p:txBody>
       </p:sp>
@@ -3058,6 +3050,7 @@
           <a:p>
             <a:fld id="{BBBF76D2-886E-443A-9E59-04B2F73D4B76}" type="slidenum">
               <a:rPr lang="sv-SE" smtClean="0"/>
+              <a:pPr/>
               <a:t>‹#›</a:t>
             </a:fld>
             <a:endParaRPr lang="sv-SE"/>
@@ -3067,7 +3060,7 @@
     </p:spTree>
     <p:extLst>
       <p:ext uri="{BB962C8B-B14F-4D97-AF65-F5344CB8AC3E}">
-        <p14:creationId xmlns:p14="http://schemas.microsoft.com/office/powerpoint/2010/main" val="4123812620"/>
+        <p14:creationId xmlns="" xmlns:p14="http://schemas.microsoft.com/office/powerpoint/2010/main" val="4123812620"/>
       </p:ext>
     </p:extLst>
   </p:cSld>
@@ -3403,9 +3396,13 @@
           <a:p>
             <a:r>
               <a:rPr lang="sv-SE" dirty="0" err="1"/>
-              <a:t>polysurf</a:t>
-            </a:r>
-            <a:endParaRPr lang="sv-SE" dirty="0"/>
+              <a:t>poly</a:t>
+            </a:r>
+            <a:r>
+              <a:rPr lang="sv-SE" b="1" dirty="0" err="1"/>
+              <a:t>surf</a:t>
+            </a:r>
+            <a:endParaRPr lang="sv-SE" b="1" dirty="0"/>
           </a:p>
         </p:txBody>
       </p:sp>
@@ -3419,7 +3416,12 @@
             <p:ph type="subTitle" idx="1"/>
           </p:nvPr>
         </p:nvSpPr>
-        <p:spPr/>
+        <p:spPr>
+          <a:xfrm>
+            <a:off x="315309" y="3602038"/>
+            <a:ext cx="11524593" cy="1655762"/>
+          </a:xfrm>
+        </p:spPr>
         <p:txBody>
           <a:bodyPr>
             <a:normAutofit fontScale="92500" lnSpcReduction="10000"/>
@@ -3431,19 +3433,11 @@
               <a:t>-a </a:t>
             </a:r>
             <a:r>
-              <a:rPr lang="sv-SE" dirty="0" err="1"/>
-              <a:t>bilinear</a:t>
-            </a:r>
-            <a:r>
-              <a:rPr lang="sv-SE" dirty="0"/>
-              <a:t> </a:t>
-            </a:r>
-            <a:r>
-              <a:rPr lang="sv-SE" dirty="0" err="1"/>
+              <a:rPr lang="sv-SE" dirty="0" err="1" smtClean="0"/>
               <a:t>surface</a:t>
             </a:r>
             <a:r>
-              <a:rPr lang="sv-SE" dirty="0"/>
+              <a:rPr lang="sv-SE" dirty="0" smtClean="0"/>
               <a:t> </a:t>
             </a:r>
             <a:r>
@@ -3455,19 +3449,19 @@
               <a:t> on </a:t>
             </a:r>
             <a:r>
-              <a:rPr lang="sv-SE" dirty="0" err="1"/>
-              <a:t>bleding</a:t>
-            </a:r>
-            <a:r>
-              <a:rPr lang="sv-SE" dirty="0"/>
-              <a:t> </a:t>
-            </a:r>
-            <a:r>
-              <a:rPr lang="sv-SE" dirty="0" err="1"/>
-              <a:t>of</a:t>
-            </a:r>
-            <a:r>
-              <a:rPr lang="sv-SE" dirty="0"/>
+              <a:rPr lang="sv-SE" dirty="0" err="1" smtClean="0"/>
+              <a:t>bilinear</a:t>
+            </a:r>
+            <a:r>
+              <a:rPr lang="sv-SE" dirty="0" smtClean="0"/>
+              <a:t> interpolation </a:t>
+            </a:r>
+            <a:r>
+              <a:rPr lang="sv-SE" dirty="0" err="1" smtClean="0"/>
+              <a:t>between</a:t>
+            </a:r>
+            <a:r>
+              <a:rPr lang="sv-SE" dirty="0" smtClean="0"/>
               <a:t> 4 </a:t>
             </a:r>
             <a:r>
@@ -3559,7 +3553,7 @@
     </p:spTree>
     <p:extLst>
       <p:ext uri="{BB962C8B-B14F-4D97-AF65-F5344CB8AC3E}">
-        <p14:creationId xmlns:p14="http://schemas.microsoft.com/office/powerpoint/2010/main" val="2866040484"/>
+        <p14:creationId xmlns="" xmlns:p14="http://schemas.microsoft.com/office/powerpoint/2010/main" val="2866040484"/>
       </p:ext>
     </p:extLst>
   </p:cSld>
@@ -3651,10 +3645,10 @@
           </p:nvPr>
         </p:nvPicPr>
         <p:blipFill>
-          <a:blip r:embed="rId2">
+          <a:blip r:embed="rId2" cstate="print">
             <a:extLst>
               <a:ext uri="{28A0092B-C50C-407E-A947-70E740481C1C}">
-                <a14:useLocalDpi xmlns:a14="http://schemas.microsoft.com/office/drawing/2010/main" val="0"/>
+                <a14:useLocalDpi xmlns="" xmlns:a14="http://schemas.microsoft.com/office/drawing/2010/main" val="0"/>
               </a:ext>
             </a:extLst>
           </a:blip>
@@ -4256,7 +4250,6 @@
               <a:rPr lang="sv-SE"/>
               <a:t>polysurf demo (public)</a:t>
             </a:r>
-            <a:endParaRPr lang="sv-SE"/>
           </a:p>
         </p:txBody>
       </p:sp>
@@ -4277,6 +4270,7 @@
           <a:p>
             <a:fld id="{BBBF76D2-886E-443A-9E59-04B2F73D4B76}" type="slidenum">
               <a:rPr lang="sv-SE" smtClean="0"/>
+              <a:pPr/>
               <a:t>2</a:t>
             </a:fld>
             <a:endParaRPr lang="sv-SE"/>
@@ -4286,7 +4280,7 @@
     </p:spTree>
     <p:extLst>
       <p:ext uri="{BB962C8B-B14F-4D97-AF65-F5344CB8AC3E}">
-        <p14:creationId xmlns:p14="http://schemas.microsoft.com/office/powerpoint/2010/main" val="1138981277"/>
+        <p14:creationId xmlns="" xmlns:p14="http://schemas.microsoft.com/office/powerpoint/2010/main" val="1138981277"/>
       </p:ext>
     </p:extLst>
   </p:cSld>
@@ -4378,10 +4372,10 @@
           </p:nvPr>
         </p:nvPicPr>
         <p:blipFill>
-          <a:blip r:embed="rId2">
+          <a:blip r:embed="rId2" cstate="print">
             <a:extLst>
               <a:ext uri="{28A0092B-C50C-407E-A947-70E740481C1C}">
-                <a14:useLocalDpi xmlns:a14="http://schemas.microsoft.com/office/drawing/2010/main" val="0"/>
+                <a14:useLocalDpi xmlns="" xmlns:a14="http://schemas.microsoft.com/office/drawing/2010/main" val="0"/>
               </a:ext>
             </a:extLst>
           </a:blip>
@@ -5244,7 +5238,6 @@
               <a:rPr lang="sv-SE"/>
               <a:t>polysurf demo (public)</a:t>
             </a:r>
-            <a:endParaRPr lang="sv-SE"/>
           </a:p>
         </p:txBody>
       </p:sp>
@@ -5265,6 +5258,7 @@
           <a:p>
             <a:fld id="{BBBF76D2-886E-443A-9E59-04B2F73D4B76}" type="slidenum">
               <a:rPr lang="sv-SE" smtClean="0"/>
+              <a:pPr/>
               <a:t>3</a:t>
             </a:fld>
             <a:endParaRPr lang="sv-SE"/>
@@ -5274,7 +5268,7 @@
     </p:spTree>
     <p:extLst>
       <p:ext uri="{BB962C8B-B14F-4D97-AF65-F5344CB8AC3E}">
-        <p14:creationId xmlns:p14="http://schemas.microsoft.com/office/powerpoint/2010/main" val="1744321847"/>
+        <p14:creationId xmlns="" xmlns:p14="http://schemas.microsoft.com/office/powerpoint/2010/main" val="1744321847"/>
       </p:ext>
     </p:extLst>
   </p:cSld>
@@ -5350,10 +5344,10 @@
           </p:nvPr>
         </p:nvPicPr>
         <p:blipFill>
-          <a:blip r:embed="rId2">
+          <a:blip r:embed="rId2" cstate="print">
             <a:extLst>
               <a:ext uri="{28A0092B-C50C-407E-A947-70E740481C1C}">
-                <a14:useLocalDpi xmlns:a14="http://schemas.microsoft.com/office/drawing/2010/main" val="0"/>
+                <a14:useLocalDpi xmlns="" xmlns:a14="http://schemas.microsoft.com/office/drawing/2010/main" val="0"/>
               </a:ext>
             </a:extLst>
           </a:blip>
@@ -5845,7 +5839,6 @@
               <a:rPr lang="sv-SE"/>
               <a:t>polysurf demo (public)</a:t>
             </a:r>
-            <a:endParaRPr lang="sv-SE"/>
           </a:p>
         </p:txBody>
       </p:sp>
@@ -5866,6 +5859,7 @@
           <a:p>
             <a:fld id="{BBBF76D2-886E-443A-9E59-04B2F73D4B76}" type="slidenum">
               <a:rPr lang="sv-SE" smtClean="0"/>
+              <a:pPr/>
               <a:t>4</a:t>
             </a:fld>
             <a:endParaRPr lang="sv-SE"/>
@@ -5875,7 +5869,7 @@
     </p:spTree>
     <p:extLst>
       <p:ext uri="{BB962C8B-B14F-4D97-AF65-F5344CB8AC3E}">
-        <p14:creationId xmlns:p14="http://schemas.microsoft.com/office/powerpoint/2010/main" val="2646412551"/>
+        <p14:creationId xmlns="" xmlns:p14="http://schemas.microsoft.com/office/powerpoint/2010/main" val="2646412551"/>
       </p:ext>
     </p:extLst>
   </p:cSld>
@@ -5956,10 +5950,10 @@
           </p:nvPr>
         </p:nvPicPr>
         <p:blipFill>
-          <a:blip r:embed="rId2">
+          <a:blip r:embed="rId2" cstate="print">
             <a:extLst>
               <a:ext uri="{28A0092B-C50C-407E-A947-70E740481C1C}">
-                <a14:useLocalDpi xmlns:a14="http://schemas.microsoft.com/office/drawing/2010/main" val="0"/>
+                <a14:useLocalDpi xmlns="" xmlns:a14="http://schemas.microsoft.com/office/drawing/2010/main" val="0"/>
               </a:ext>
             </a:extLst>
           </a:blip>
@@ -6553,7 +6547,6 @@
               <a:rPr lang="sv-SE"/>
               <a:t>polysurf demo (public)</a:t>
             </a:r>
-            <a:endParaRPr lang="sv-SE"/>
           </a:p>
         </p:txBody>
       </p:sp>
@@ -6574,6 +6567,7 @@
           <a:p>
             <a:fld id="{BBBF76D2-886E-443A-9E59-04B2F73D4B76}" type="slidenum">
               <a:rPr lang="sv-SE" smtClean="0"/>
+              <a:pPr/>
               <a:t>5</a:t>
             </a:fld>
             <a:endParaRPr lang="sv-SE"/>
@@ -6583,7 +6577,261 @@
     </p:spTree>
     <p:extLst>
       <p:ext uri="{BB962C8B-B14F-4D97-AF65-F5344CB8AC3E}">
-        <p14:creationId xmlns:p14="http://schemas.microsoft.com/office/powerpoint/2010/main" val="3169621355"/>
+        <p14:creationId xmlns="" xmlns:p14="http://schemas.microsoft.com/office/powerpoint/2010/main" val="3169621355"/>
+      </p:ext>
+    </p:extLst>
+  </p:cSld>
+  <p:clrMapOvr>
+    <a:masterClrMapping/>
+  </p:clrMapOvr>
+</p:sld>
+</file>
+
+<file path=ppt/slides/slide6.xml><?xml version="1.0" encoding="utf-8"?>
+<p:sld xmlns:a="http://schemas.openxmlformats.org/drawingml/2006/main" xmlns:r="http://schemas.openxmlformats.org/officeDocument/2006/relationships" xmlns:p="http://schemas.openxmlformats.org/presentationml/2006/main">
+  <p:cSld>
+    <p:spTree>
+      <p:nvGrpSpPr>
+        <p:cNvPr id="1" name=""/>
+        <p:cNvGrpSpPr/>
+        <p:nvPr/>
+      </p:nvGrpSpPr>
+      <p:grpSpPr>
+        <a:xfrm>
+          <a:off x="0" y="0"/>
+          <a:ext cx="0" cy="0"/>
+          <a:chOff x="0" y="0"/>
+          <a:chExt cx="0" cy="0"/>
+        </a:xfrm>
+      </p:grpSpPr>
+      <p:pic>
+        <p:nvPicPr>
+          <p:cNvPr id="7" name="Bildobjekt 6" descr="polysurf5c.png"/>
+          <p:cNvPicPr>
+            <a:picLocks noChangeAspect="1"/>
+          </p:cNvPicPr>
+          <p:nvPr/>
+        </p:nvPicPr>
+        <p:blipFill>
+          <a:blip r:embed="rId2" cstate="print"/>
+          <a:srcRect l="11599" r="11988"/>
+          <a:stretch>
+            <a:fillRect/>
+          </a:stretch>
+        </p:blipFill>
+        <p:spPr>
+          <a:xfrm>
+            <a:off x="6053959" y="1839495"/>
+            <a:ext cx="4130566" cy="4323597"/>
+          </a:xfrm>
+          <a:prstGeom prst="rect">
+            <a:avLst/>
+          </a:prstGeom>
+        </p:spPr>
+      </p:pic>
+      <p:sp>
+        <p:nvSpPr>
+          <p:cNvPr id="2" name="Rubrik 1"/>
+          <p:cNvSpPr>
+            <a:spLocks noGrp="1"/>
+          </p:cNvSpPr>
+          <p:nvPr>
+            <p:ph type="title"/>
+          </p:nvPr>
+        </p:nvSpPr>
+        <p:spPr/>
+        <p:txBody>
+          <a:bodyPr/>
+          <a:lstStyle/>
+          <a:p>
+            <a:r>
+              <a:rPr lang="sv-SE" dirty="0"/>
+              <a:t>Step 3 </a:t>
+            </a:r>
+            <a:r>
+              <a:rPr lang="sv-SE" dirty="0" smtClean="0"/>
+              <a:t>– </a:t>
+            </a:r>
+            <a:r>
+              <a:rPr lang="sv-SE" dirty="0" err="1" smtClean="0"/>
+              <a:t>Bilinear</a:t>
+            </a:r>
+            <a:r>
+              <a:rPr lang="sv-SE" dirty="0" smtClean="0"/>
+              <a:t> </a:t>
+            </a:r>
+            <a:r>
+              <a:rPr lang="sv-SE" dirty="0" err="1" smtClean="0"/>
+              <a:t>surface</a:t>
+            </a:r>
+            <a:r>
+              <a:rPr lang="sv-SE" dirty="0" smtClean="0"/>
+              <a:t> (</a:t>
+            </a:r>
+            <a:r>
+              <a:rPr lang="sv-SE" dirty="0" err="1" smtClean="0"/>
+              <a:t>randomized</a:t>
+            </a:r>
+            <a:r>
+              <a:rPr lang="sv-SE" dirty="0" smtClean="0"/>
+              <a:t> </a:t>
+            </a:r>
+            <a:r>
+              <a:rPr lang="sv-SE" dirty="0" err="1" smtClean="0"/>
+              <a:t>edges</a:t>
+            </a:r>
+            <a:r>
+              <a:rPr lang="sv-SE" dirty="0" smtClean="0"/>
+              <a:t>)</a:t>
+            </a:r>
+            <a:endParaRPr lang="sv-SE" dirty="0"/>
+          </a:p>
+        </p:txBody>
+      </p:sp>
+      <p:pic>
+        <p:nvPicPr>
+          <p:cNvPr id="4" name="Platshållare för innehåll 3"/>
+          <p:cNvPicPr>
+            <a:picLocks noGrp="1" noChangeAspect="1"/>
+          </p:cNvPicPr>
+          <p:nvPr>
+            <p:ph idx="1"/>
+          </p:nvPr>
+        </p:nvPicPr>
+        <p:blipFill>
+          <a:blip r:embed="rId3" cstate="print"/>
+          <a:srcRect l="12247" r="11341"/>
+          <a:stretch>
+            <a:fillRect/>
+          </a:stretch>
+        </p:blipFill>
+        <p:spPr>
+          <a:xfrm>
+            <a:off x="1671145" y="1839495"/>
+            <a:ext cx="4130566" cy="4323597"/>
+          </a:xfrm>
+        </p:spPr>
+      </p:pic>
+      <p:sp>
+        <p:nvSpPr>
+          <p:cNvPr id="5" name="textruta 4"/>
+          <p:cNvSpPr txBox="1"/>
+          <p:nvPr/>
+        </p:nvSpPr>
+        <p:spPr>
+          <a:xfrm>
+            <a:off x="896827" y="1459119"/>
+            <a:ext cx="6104377" cy="307777"/>
+          </a:xfrm>
+          <a:prstGeom prst="rect">
+            <a:avLst/>
+          </a:prstGeom>
+          <a:noFill/>
+          <a:ln>
+            <a:noFill/>
+          </a:ln>
+        </p:spPr>
+        <p:txBody>
+          <a:bodyPr wrap="square" rtlCol="0">
+            <a:spAutoFit/>
+          </a:bodyPr>
+          <a:lstStyle/>
+          <a:p>
+            <a:r>
+              <a:rPr lang="sv-SE" sz="1400" dirty="0" err="1" smtClean="0">
+                <a:solidFill>
+                  <a:srgbClr val="000000"/>
+                </a:solidFill>
+                <a:latin typeface="Courier New" panose="02070309020205020404" pitchFamily="49" charset="0"/>
+              </a:rPr>
+              <a:t>see</a:t>
+            </a:r>
+            <a:r>
+              <a:rPr lang="sv-SE" sz="1400" dirty="0" smtClean="0">
+                <a:solidFill>
+                  <a:srgbClr val="000000"/>
+                </a:solidFill>
+                <a:latin typeface="Courier New" panose="02070309020205020404" pitchFamily="49" charset="0"/>
+              </a:rPr>
+              <a:t> ”</a:t>
+            </a:r>
+            <a:r>
+              <a:rPr lang="sv-SE" sz="1400" dirty="0" err="1" smtClean="0">
+                <a:solidFill>
+                  <a:srgbClr val="000000"/>
+                </a:solidFill>
+                <a:latin typeface="Courier New" panose="02070309020205020404" pitchFamily="49" charset="0"/>
+              </a:rPr>
+              <a:t>polysurfdemo_random.m</a:t>
+            </a:r>
+            <a:r>
+              <a:rPr lang="sv-SE" sz="1400" dirty="0" smtClean="0">
+                <a:solidFill>
+                  <a:srgbClr val="000000"/>
+                </a:solidFill>
+                <a:latin typeface="Courier New" panose="02070309020205020404" pitchFamily="49" charset="0"/>
+              </a:rPr>
+              <a:t>”</a:t>
+            </a:r>
+            <a:endParaRPr lang="sv-SE" sz="1400" b="0" i="0" u="none" strike="noStrike" baseline="0" dirty="0">
+              <a:solidFill>
+                <a:srgbClr val="000000"/>
+              </a:solidFill>
+              <a:latin typeface="Courier New" panose="02070309020205020404" pitchFamily="49" charset="0"/>
+            </a:endParaRPr>
+          </a:p>
+        </p:txBody>
+      </p:sp>
+      <p:sp>
+        <p:nvSpPr>
+          <p:cNvPr id="3" name="Platshållare för sidfot 2"/>
+          <p:cNvSpPr>
+            <a:spLocks noGrp="1"/>
+          </p:cNvSpPr>
+          <p:nvPr>
+            <p:ph type="ftr" sz="quarter" idx="11"/>
+          </p:nvPr>
+        </p:nvSpPr>
+        <p:spPr/>
+        <p:txBody>
+          <a:bodyPr/>
+          <a:lstStyle/>
+          <a:p>
+            <a:r>
+              <a:rPr lang="sv-SE"/>
+              <a:t>polysurf demo (public)</a:t>
+            </a:r>
+          </a:p>
+        </p:txBody>
+      </p:sp>
+      <p:sp>
+        <p:nvSpPr>
+          <p:cNvPr id="6" name="Platshållare för bildnummer 5"/>
+          <p:cNvSpPr>
+            <a:spLocks noGrp="1"/>
+          </p:cNvSpPr>
+          <p:nvPr>
+            <p:ph type="sldNum" sz="quarter" idx="12"/>
+          </p:nvPr>
+        </p:nvSpPr>
+        <p:spPr/>
+        <p:txBody>
+          <a:bodyPr/>
+          <a:lstStyle/>
+          <a:p>
+            <a:fld id="{BBBF76D2-886E-443A-9E59-04B2F73D4B76}" type="slidenum">
+              <a:rPr lang="sv-SE" smtClean="0"/>
+              <a:pPr/>
+              <a:t>6</a:t>
+            </a:fld>
+            <a:endParaRPr lang="sv-SE"/>
+          </a:p>
+        </p:txBody>
+      </p:sp>
+    </p:spTree>
+    <p:extLst>
+      <p:ext uri="{BB962C8B-B14F-4D97-AF65-F5344CB8AC3E}">
+        <p14:creationId xmlns="" xmlns:p14="http://schemas.microsoft.com/office/powerpoint/2010/main" val="3169621355"/>
       </p:ext>
     </p:extLst>
   </p:cSld>
@@ -6636,7 +6884,7 @@
     </a:clrScheme>
     <a:fontScheme name="Office">
       <a:majorFont>
-        <a:latin typeface="Calibri Light" panose="020F0302020204030204"/>
+        <a:latin typeface="Calibri Light"/>
         <a:ea typeface=""/>
         <a:cs typeface=""/>
         <a:font script="Jpan" typeface="游ゴシック Light"/>
@@ -6688,7 +6936,7 @@
         <a:font script="Tfng" typeface="Ebrima"/>
       </a:majorFont>
       <a:minorFont>
-        <a:latin typeface="Calibri" panose="020F0502020204030204"/>
+        <a:latin typeface="Calibri"/>
         <a:ea typeface=""/>
         <a:cs typeface=""/>
         <a:font script="Jpan" typeface="游ゴシック"/>
@@ -6882,7 +7130,7 @@
   <a:extraClrSchemeLst/>
   <a:extLst>
     <a:ext uri="{05A4C25C-085E-4340-85A3-A5531E510DB2}">
-      <thm15:themeFamily xmlns:thm15="http://schemas.microsoft.com/office/thememl/2012/main" name="Office Theme" id="{62F939B6-93AF-4DB8-9C6B-D6C7DFDC589F}" vid="{4A3C46E8-61CC-4603-A589-7422A47A8E4A}"/>
+      <thm15:themeFamily xmlns="" xmlns:thm15="http://schemas.microsoft.com/office/thememl/2012/main" name="Office Theme" id="{62F939B6-93AF-4DB8-9C6B-D6C7DFDC589F}" vid="{4A3C46E8-61CC-4603-A589-7422A47A8E4A}"/>
     </a:ext>
   </a:extLst>
 </a:theme>
@@ -6931,7 +7179,7 @@
     </a:clrScheme>
     <a:fontScheme name="Office">
       <a:majorFont>
-        <a:latin typeface="Calibri Light" panose="020F0302020204030204"/>
+        <a:latin typeface="Calibri Light"/>
         <a:ea typeface=""/>
         <a:cs typeface=""/>
         <a:font script="Jpan" typeface="游ゴシック Light"/>
@@ -6983,7 +7231,7 @@
         <a:font script="Tfng" typeface="Ebrima"/>
       </a:majorFont>
       <a:minorFont>
-        <a:latin typeface="Calibri" panose="020F0502020204030204"/>
+        <a:latin typeface="Calibri"/>
         <a:ea typeface=""/>
         <a:cs typeface=""/>
         <a:font script="Jpan" typeface="游ゴシック"/>
@@ -7177,7 +7425,7 @@
   <a:extraClrSchemeLst/>
   <a:extLst>
     <a:ext uri="{05A4C25C-085E-4340-85A3-A5531E510DB2}">
-      <thm15:themeFamily xmlns:thm15="http://schemas.microsoft.com/office/thememl/2012/main" name="Office Theme" id="{62F939B6-93AF-4DB8-9C6B-D6C7DFDC589F}" vid="{4A3C46E8-61CC-4603-A589-7422A47A8E4A}"/>
+      <thm15:themeFamily xmlns="" xmlns:thm15="http://schemas.microsoft.com/office/thememl/2012/main" name="Office Theme" id="{62F939B6-93AF-4DB8-9C6B-D6C7DFDC589F}" vid="{4A3C46E8-61CC-4603-A589-7422A47A8E4A}"/>
     </a:ext>
   </a:extLst>
 </a:theme>
